--- a/第六章 图/6.3 图的遍历/图.pptx
+++ b/第六章 图/6.3 图的遍历/图.pptx
@@ -2971,9 +2971,39 @@
         <p:nvPr/>
       </p:nvGrpSpPr>
       <p:grpSpPr/>
+      <p:pic>
+        <p:nvPicPr>
+          <p:cNvPr id="2" name="图片 1" descr="graph"/>
+          <p:cNvPicPr>
+            <a:picLocks noChangeAspect="1"/>
+          </p:cNvPicPr>
+          <p:nvPr/>
+        </p:nvPicPr>
+        <p:blipFill>
+          <a:blip r:embed="rId1"/>
+          <a:srcRect l="5611" t="9599" r="5337" b="9326"/>
+          <a:stretch>
+            <a:fillRect/>
+          </a:stretch>
+        </p:blipFill>
+        <p:spPr>
+          <a:xfrm>
+            <a:off x="1346200" y="695960"/>
+            <a:ext cx="2892425" cy="2633345"/>
+          </a:xfrm>
+          <a:prstGeom prst="rect">
+            <a:avLst/>
+          </a:prstGeom>
+          <a:ln>
+            <a:solidFill>
+              <a:srgbClr val="00B050"/>
+            </a:solidFill>
+          </a:ln>
+        </p:spPr>
+      </p:pic>
     </p:spTree>
     <p:custDataLst>
-      <p:tags r:id="rId1"/>
+      <p:tags r:id="rId2"/>
     </p:custDataLst>
   </p:cSld>
   <p:clrMapOvr>

--- a/第六章 图/6.3 图的遍历/图.pptx
+++ b/第六章 图/6.3 图的遍历/图.pptx
@@ -7,11 +7,12 @@
   <p:sldIdLst>
     <p:sldId id="257" r:id="rId3"/>
     <p:sldId id="258" r:id="rId4"/>
+    <p:sldId id="259" r:id="rId5"/>
   </p:sldIdLst>
   <p:sldSz cx="12192000" cy="6858000"/>
   <p:notesSz cx="6858000" cy="9144000"/>
   <p:custDataLst>
-    <p:tags r:id="rId8"/>
+    <p:tags r:id="rId9"/>
   </p:custDataLst>
   <p:defaultTextStyle>
     <a:defPPr>
@@ -3012,6 +3013,57 @@
 </p:sld>
 </file>
 
+<file path=ppt/slides/slide3.xml><?xml version="1.0" encoding="utf-8"?>
+<p:sld xmlns:a="http://schemas.openxmlformats.org/drawingml/2006/main" xmlns:r="http://schemas.openxmlformats.org/officeDocument/2006/relationships" xmlns:p="http://schemas.openxmlformats.org/presentationml/2006/main">
+  <p:cSld>
+    <p:spTree>
+      <p:nvGrpSpPr>
+        <p:cNvPr id="1" name=""/>
+        <p:cNvGrpSpPr/>
+        <p:nvPr/>
+      </p:nvGrpSpPr>
+      <p:grpSpPr/>
+      <p:pic>
+        <p:nvPicPr>
+          <p:cNvPr id="2" name="图片 1" descr="graph (1)"/>
+          <p:cNvPicPr>
+            <a:picLocks noChangeAspect="1"/>
+          </p:cNvPicPr>
+          <p:nvPr/>
+        </p:nvPicPr>
+        <p:blipFill>
+          <a:blip r:embed="rId1"/>
+          <a:srcRect l="23333" t="30638" r="26913" b="29188"/>
+          <a:stretch>
+            <a:fillRect/>
+          </a:stretch>
+        </p:blipFill>
+        <p:spPr>
+          <a:xfrm>
+            <a:off x="4927600" y="2580640"/>
+            <a:ext cx="2179955" cy="1760220"/>
+          </a:xfrm>
+          <a:prstGeom prst="rect">
+            <a:avLst/>
+          </a:prstGeom>
+          <a:ln>
+            <a:solidFill>
+              <a:srgbClr val="00B050"/>
+            </a:solidFill>
+          </a:ln>
+        </p:spPr>
+      </p:pic>
+    </p:spTree>
+    <p:custDataLst>
+      <p:tags r:id="rId2"/>
+    </p:custDataLst>
+  </p:cSld>
+  <p:clrMapOvr>
+    <a:masterClrMapping/>
+  </p:clrMapOvr>
+</p:sld>
+</file>
+
 <file path=ppt/tags/tag1.xml><?xml version="1.0" encoding="utf-8"?>
 <p:tagLst xmlns:p="http://schemas.openxmlformats.org/presentationml/2006/main">
   <p:tag name="KSO_WM_UNIT_HIGHLIGHT" val="0"/>
@@ -3736,6 +3788,14 @@
 </file>
 
 <file path=ppt/tags/tag60.xml><?xml version="1.0" encoding="utf-8"?>
+<p:tagLst xmlns:p="http://schemas.openxmlformats.org/presentationml/2006/main">
+  <p:tag name="KSO_WM_BEAUTIFY_FLAG" val="#wm#"/>
+  <p:tag name="KSO_WM_TEMPLATE_CATEGORY" val="custom"/>
+  <p:tag name="KSO_WM_TEMPLATE_INDEX" val="20205176"/>
+</p:tagLst>
+</file>
+
+<file path=ppt/tags/tag61.xml><?xml version="1.0" encoding="utf-8"?>
 <p:tagLst xmlns:p="http://schemas.openxmlformats.org/presentationml/2006/main">
   <p:tag name="COMMONDATA" val="eyJoZGlkIjoiMGNiYmI5YWVjOTk5ZjZhOWZjNGUxNjlhNTAzYmI0NWQifQ=="/>
 </p:tagLst>

--- a/第六章 图/6.3 图的遍历/图.pptx
+++ b/第六章 图/6.3 图的遍历/图.pptx
@@ -8,11 +8,12 @@
     <p:sldId id="257" r:id="rId3"/>
     <p:sldId id="258" r:id="rId4"/>
     <p:sldId id="259" r:id="rId5"/>
+    <p:sldId id="260" r:id="rId6"/>
   </p:sldIdLst>
   <p:sldSz cx="12192000" cy="6858000"/>
   <p:notesSz cx="6858000" cy="9144000"/>
   <p:custDataLst>
-    <p:tags r:id="rId9"/>
+    <p:tags r:id="rId10"/>
   </p:custDataLst>
   <p:defaultTextStyle>
     <a:defPPr>
@@ -3064,6 +3065,132 @@
 </p:sld>
 </file>
 
+<file path=ppt/slides/slide4.xml><?xml version="1.0" encoding="utf-8"?>
+<p:sld xmlns:a="http://schemas.openxmlformats.org/drawingml/2006/main" xmlns:r="http://schemas.openxmlformats.org/officeDocument/2006/relationships" xmlns:p="http://schemas.openxmlformats.org/presentationml/2006/main">
+  <p:cSld>
+    <p:spTree>
+      <p:nvGrpSpPr>
+        <p:cNvPr id="1" name=""/>
+        <p:cNvGrpSpPr/>
+        <p:nvPr/>
+      </p:nvGrpSpPr>
+      <p:grpSpPr/>
+      <p:grpSp>
+        <p:nvGrpSpPr>
+          <p:cNvPr id="5" name="组合 4"/>
+          <p:cNvGrpSpPr/>
+          <p:nvPr/>
+        </p:nvGrpSpPr>
+        <p:grpSpPr>
+          <a:xfrm>
+            <a:off x="887095" y="765810"/>
+            <a:ext cx="7760970" cy="3392170"/>
+            <a:chOff x="1397" y="1206"/>
+            <a:chExt cx="12222" cy="5342"/>
+          </a:xfrm>
+        </p:grpSpPr>
+        <p:pic>
+          <p:nvPicPr>
+            <p:cNvPr id="2" name="图片 1" descr="graph (2)"/>
+            <p:cNvPicPr>
+              <a:picLocks noChangeAspect="1"/>
+            </p:cNvPicPr>
+            <p:nvPr/>
+          </p:nvPicPr>
+          <p:blipFill>
+            <a:blip r:embed="rId1"/>
+            <a:srcRect l="20406" t="29174" r="17971" b="23783"/>
+            <a:stretch>
+              <a:fillRect/>
+            </a:stretch>
+          </p:blipFill>
+          <p:spPr>
+            <a:xfrm>
+              <a:off x="1397" y="1206"/>
+              <a:ext cx="4252" cy="3246"/>
+            </a:xfrm>
+            <a:prstGeom prst="rect">
+              <a:avLst/>
+            </a:prstGeom>
+            <a:ln>
+              <a:solidFill>
+                <a:srgbClr val="00B050"/>
+              </a:solidFill>
+            </a:ln>
+          </p:spPr>
+        </p:pic>
+        <p:pic>
+          <p:nvPicPr>
+            <p:cNvPr id="3" name="图片 2" descr="graph (3)"/>
+            <p:cNvPicPr>
+              <a:picLocks noChangeAspect="1"/>
+            </p:cNvPicPr>
+            <p:nvPr/>
+          </p:nvPicPr>
+          <p:blipFill>
+            <a:blip r:embed="rId2"/>
+            <a:srcRect l="43101" t="6072" r="41275" b="16710"/>
+            <a:stretch>
+              <a:fillRect/>
+            </a:stretch>
+          </p:blipFill>
+          <p:spPr>
+            <a:xfrm>
+              <a:off x="6769" y="1206"/>
+              <a:ext cx="1078" cy="5328"/>
+            </a:xfrm>
+            <a:prstGeom prst="rect">
+              <a:avLst/>
+            </a:prstGeom>
+            <a:ln>
+              <a:solidFill>
+                <a:srgbClr val="00B050"/>
+              </a:solidFill>
+            </a:ln>
+          </p:spPr>
+        </p:pic>
+        <p:pic>
+          <p:nvPicPr>
+            <p:cNvPr id="4" name="图片 3" descr="graph (4)"/>
+            <p:cNvPicPr>
+              <a:picLocks noChangeAspect="1"/>
+            </p:cNvPicPr>
+            <p:nvPr/>
+          </p:nvPicPr>
+          <p:blipFill>
+            <a:blip r:embed="rId3"/>
+            <a:srcRect l="12928" t="6652" r="15261" b="15913"/>
+            <a:stretch>
+              <a:fillRect/>
+            </a:stretch>
+          </p:blipFill>
+          <p:spPr>
+            <a:xfrm>
+              <a:off x="8665" y="1206"/>
+              <a:ext cx="4955" cy="5343"/>
+            </a:xfrm>
+            <a:prstGeom prst="rect">
+              <a:avLst/>
+            </a:prstGeom>
+            <a:ln>
+              <a:solidFill>
+                <a:srgbClr val="00B050"/>
+              </a:solidFill>
+            </a:ln>
+          </p:spPr>
+        </p:pic>
+      </p:grpSp>
+    </p:spTree>
+    <p:custDataLst>
+      <p:tags r:id="rId4"/>
+    </p:custDataLst>
+  </p:cSld>
+  <p:clrMapOvr>
+    <a:masterClrMapping/>
+  </p:clrMapOvr>
+</p:sld>
+</file>
+
 <file path=ppt/tags/tag1.xml><?xml version="1.0" encoding="utf-8"?>
 <p:tagLst xmlns:p="http://schemas.openxmlformats.org/presentationml/2006/main">
   <p:tag name="KSO_WM_UNIT_HIGHLIGHT" val="0"/>
@@ -3796,6 +3923,14 @@
 </file>
 
 <file path=ppt/tags/tag61.xml><?xml version="1.0" encoding="utf-8"?>
+<p:tagLst xmlns:p="http://schemas.openxmlformats.org/presentationml/2006/main">
+  <p:tag name="KSO_WM_BEAUTIFY_FLAG" val="#wm#"/>
+  <p:tag name="KSO_WM_TEMPLATE_CATEGORY" val="custom"/>
+  <p:tag name="KSO_WM_TEMPLATE_INDEX" val="20205176"/>
+</p:tagLst>
+</file>
+
+<file path=ppt/tags/tag62.xml><?xml version="1.0" encoding="utf-8"?>
 <p:tagLst xmlns:p="http://schemas.openxmlformats.org/presentationml/2006/main">
   <p:tag name="COMMONDATA" val="eyJoZGlkIjoiMGNiYmI5YWVjOTk5ZjZhOWZjNGUxNjlhNTAzYmI0NWQifQ=="/>
 </p:tagLst>
